--- a/WSP Project.pptx
+++ b/WSP Project.pptx
@@ -6138,7 +6138,7 @@
             </a:extLst>
           </p:cNvPr>
           <p:cNvSpPr>
-            <a:spLocks noGrp="1"/>
+            <a:spLocks noGrp="1" noRot="1" noMove="1" noResize="1" noEditPoints="1" noAdjustHandles="1" noChangeArrowheads="1" noChangeShapeType="1"/>
           </p:cNvSpPr>
           <p:nvPr>
             <p:ph type="subTitle" idx="1"/>
